--- a/Agile Firestarter NYC Autumn 2010 - Refactoring to a SOLID Foundation/Agile Firestarter Autumn 2010 Refactoring to a SOLID Foundation.pptx
+++ b/Agile Firestarter NYC Autumn 2010 - Refactoring to a SOLID Foundation/Agile Firestarter Autumn 2010 Refactoring to a SOLID Foundation.pptx
@@ -235,7 +235,7 @@
             <a:fld id="{780249E5-3D82-4E04-97B9-CF81EA0AC979}" type="datetimeFigureOut">
               <a:rPr lang="en-US" smtClean="0"/>
               <a:pPr/>
-              <a:t>11/2/2010</a:t>
+              <a:t>11/9/2010</a:t>
             </a:fld>
             <a:endParaRPr lang="en-US"/>
           </a:p>
@@ -2549,7 +2549,7 @@
             <a:fld id="{F2BCC184-CBE3-4F29-A273-6F4E5CFA4DFC}" type="datetimeFigureOut">
               <a:rPr lang="en-US" smtClean="0"/>
               <a:pPr/>
-              <a:t>11/2/2010</a:t>
+              <a:t>11/9/2010</a:t>
             </a:fld>
             <a:endParaRPr lang="en-US"/>
           </a:p>
@@ -2694,23 +2694,7 @@
                   <a:schemeClr val="bg1"/>
                 </a:solidFill>
               </a:rPr>
-              <a:t> </a:t>
-            </a:r>
-            <a:r>
-              <a:rPr lang="en-US" i="0" baseline="0" dirty="0" smtClean="0">
-                <a:solidFill>
-                  <a:schemeClr val="bg1"/>
-                </a:solidFill>
-              </a:rPr>
-              <a:t>Autumn </a:t>
-            </a:r>
-            <a:r>
-              <a:rPr lang="en-US" i="0" baseline="0" dirty="0" smtClean="0">
-                <a:solidFill>
-                  <a:schemeClr val="bg1"/>
-                </a:solidFill>
-              </a:rPr>
-              <a:t>2010</a:t>
+              <a:t> Autumn 2010</a:t>
             </a:r>
             <a:endParaRPr lang="en-US" i="0" dirty="0">
               <a:solidFill>
@@ -3083,7 +3067,7 @@
                   <a:schemeClr val="bg1"/>
                 </a:solidFill>
               </a:rPr>
-              <a:t>Skiff, LLC</a:t>
+              <a:t>SpringSource/VMware</a:t>
             </a:r>
             <a:endParaRPr lang="en-US" sz="2800" dirty="0">
               <a:solidFill>
